--- a/Paper/Ellipse.pptx
+++ b/Paper/Ellipse.pptx
@@ -288,7 +288,7 @@
           <a:p>
             <a:fld id="{A2B0D514-A4F8-4F7B-AC71-7F5CAD3F1F59}" type="datetimeFigureOut">
               <a:rPr lang="en-US" smtClean="0"/>
-              <a:t>1/15/2013</a:t>
+              <a:t>1/16/2013</a:t>
             </a:fld>
             <a:endParaRPr lang="en-US"/>
           </a:p>
@@ -453,7 +453,7 @@
           <a:p>
             <a:fld id="{A2B0D514-A4F8-4F7B-AC71-7F5CAD3F1F59}" type="datetimeFigureOut">
               <a:rPr lang="en-US" smtClean="0"/>
-              <a:t>1/15/2013</a:t>
+              <a:t>1/16/2013</a:t>
             </a:fld>
             <a:endParaRPr lang="en-US"/>
           </a:p>
@@ -628,7 +628,7 @@
           <a:p>
             <a:fld id="{A2B0D514-A4F8-4F7B-AC71-7F5CAD3F1F59}" type="datetimeFigureOut">
               <a:rPr lang="en-US" smtClean="0"/>
-              <a:t>1/15/2013</a:t>
+              <a:t>1/16/2013</a:t>
             </a:fld>
             <a:endParaRPr lang="en-US"/>
           </a:p>
@@ -793,7 +793,7 @@
           <a:p>
             <a:fld id="{A2B0D514-A4F8-4F7B-AC71-7F5CAD3F1F59}" type="datetimeFigureOut">
               <a:rPr lang="en-US" smtClean="0"/>
-              <a:t>1/15/2013</a:t>
+              <a:t>1/16/2013</a:t>
             </a:fld>
             <a:endParaRPr lang="en-US"/>
           </a:p>
@@ -1034,7 +1034,7 @@
           <a:p>
             <a:fld id="{A2B0D514-A4F8-4F7B-AC71-7F5CAD3F1F59}" type="datetimeFigureOut">
               <a:rPr lang="en-US" smtClean="0"/>
-              <a:t>1/15/2013</a:t>
+              <a:t>1/16/2013</a:t>
             </a:fld>
             <a:endParaRPr lang="en-US"/>
           </a:p>
@@ -1317,7 +1317,7 @@
           <a:p>
             <a:fld id="{A2B0D514-A4F8-4F7B-AC71-7F5CAD3F1F59}" type="datetimeFigureOut">
               <a:rPr lang="en-US" smtClean="0"/>
-              <a:t>1/15/2013</a:t>
+              <a:t>1/16/2013</a:t>
             </a:fld>
             <a:endParaRPr lang="en-US"/>
           </a:p>
@@ -1734,7 +1734,7 @@
           <a:p>
             <a:fld id="{A2B0D514-A4F8-4F7B-AC71-7F5CAD3F1F59}" type="datetimeFigureOut">
               <a:rPr lang="en-US" smtClean="0"/>
-              <a:t>1/15/2013</a:t>
+              <a:t>1/16/2013</a:t>
             </a:fld>
             <a:endParaRPr lang="en-US"/>
           </a:p>
@@ -1847,7 +1847,7 @@
           <a:p>
             <a:fld id="{A2B0D514-A4F8-4F7B-AC71-7F5CAD3F1F59}" type="datetimeFigureOut">
               <a:rPr lang="en-US" smtClean="0"/>
-              <a:t>1/15/2013</a:t>
+              <a:t>1/16/2013</a:t>
             </a:fld>
             <a:endParaRPr lang="en-US"/>
           </a:p>
@@ -1937,7 +1937,7 @@
           <a:p>
             <a:fld id="{A2B0D514-A4F8-4F7B-AC71-7F5CAD3F1F59}" type="datetimeFigureOut">
               <a:rPr lang="en-US" smtClean="0"/>
-              <a:t>1/15/2013</a:t>
+              <a:t>1/16/2013</a:t>
             </a:fld>
             <a:endParaRPr lang="en-US"/>
           </a:p>
@@ -2209,7 +2209,7 @@
           <a:p>
             <a:fld id="{A2B0D514-A4F8-4F7B-AC71-7F5CAD3F1F59}" type="datetimeFigureOut">
               <a:rPr lang="en-US" smtClean="0"/>
-              <a:t>1/15/2013</a:t>
+              <a:t>1/16/2013</a:t>
             </a:fld>
             <a:endParaRPr lang="en-US"/>
           </a:p>
@@ -2457,7 +2457,7 @@
           <a:p>
             <a:fld id="{A2B0D514-A4F8-4F7B-AC71-7F5CAD3F1F59}" type="datetimeFigureOut">
               <a:rPr lang="en-US" smtClean="0"/>
-              <a:t>1/15/2013</a:t>
+              <a:t>1/16/2013</a:t>
             </a:fld>
             <a:endParaRPr lang="en-US"/>
           </a:p>
@@ -2665,7 +2665,7 @@
           <a:p>
             <a:fld id="{A2B0D514-A4F8-4F7B-AC71-7F5CAD3F1F59}" type="datetimeFigureOut">
               <a:rPr lang="en-US" smtClean="0"/>
-              <a:t>1/15/2013</a:t>
+              <a:t>1/16/2013</a:t>
             </a:fld>
             <a:endParaRPr lang="en-US"/>
           </a:p>
@@ -5314,6 +5314,110 @@
           </a:fontRef>
         </p:style>
       </p:cxnSp>
+      <p:sp>
+        <p:nvSpPr>
+          <p:cNvPr id="2" name="TextBox 1"/>
+          <p:cNvSpPr txBox="1"/>
+          <p:nvPr/>
+        </p:nvSpPr>
+        <p:spPr>
+          <a:xfrm>
+            <a:off x="3037706" y="2582224"/>
+            <a:ext cx="306494" cy="369332"/>
+          </a:xfrm>
+          <a:prstGeom prst="rect">
+            <a:avLst/>
+          </a:prstGeom>
+          <a:noFill/>
+        </p:spPr>
+        <p:txBody>
+          <a:bodyPr wrap="none" rtlCol="0">
+            <a:spAutoFit/>
+          </a:bodyPr>
+          <a:lstStyle/>
+          <a:p>
+            <a:r>
+              <a:rPr lang="en-US" i="1" dirty="0">
+                <a:latin typeface="Times New Roman" pitchFamily="18" charset="0"/>
+                <a:cs typeface="Times New Roman" pitchFamily="18" charset="0"/>
+              </a:rPr>
+              <a:t>p</a:t>
+            </a:r>
+          </a:p>
+        </p:txBody>
+      </p:sp>
+      <p:sp>
+        <p:nvSpPr>
+          <p:cNvPr id="56" name="TextBox 55"/>
+          <p:cNvSpPr txBox="1"/>
+          <p:nvPr/>
+        </p:nvSpPr>
+        <p:spPr>
+          <a:xfrm>
+            <a:off x="3962064" y="2169327"/>
+            <a:ext cx="325730" cy="369332"/>
+          </a:xfrm>
+          <a:prstGeom prst="rect">
+            <a:avLst/>
+          </a:prstGeom>
+          <a:noFill/>
+        </p:spPr>
+        <p:txBody>
+          <a:bodyPr wrap="none" rtlCol="0">
+            <a:spAutoFit/>
+          </a:bodyPr>
+          <a:lstStyle/>
+          <a:p>
+            <a:r>
+              <a:rPr lang="en-US" i="1" dirty="0" smtClean="0">
+                <a:latin typeface="Times New Roman" pitchFamily="18" charset="0"/>
+                <a:cs typeface="Times New Roman" pitchFamily="18" charset="0"/>
+              </a:rPr>
+              <a:t>V</a:t>
+            </a:r>
+            <a:endParaRPr lang="en-US" i="1" dirty="0">
+              <a:latin typeface="Times New Roman" pitchFamily="18" charset="0"/>
+              <a:cs typeface="Times New Roman" pitchFamily="18" charset="0"/>
+            </a:endParaRPr>
+          </a:p>
+        </p:txBody>
+      </p:sp>
+      <p:sp>
+        <p:nvSpPr>
+          <p:cNvPr id="57" name="TextBox 56"/>
+          <p:cNvSpPr txBox="1"/>
+          <p:nvPr/>
+        </p:nvSpPr>
+        <p:spPr>
+          <a:xfrm>
+            <a:off x="6754655" y="3669268"/>
+            <a:ext cx="317716" cy="369332"/>
+          </a:xfrm>
+          <a:prstGeom prst="rect">
+            <a:avLst/>
+          </a:prstGeom>
+          <a:noFill/>
+        </p:spPr>
+        <p:txBody>
+          <a:bodyPr wrap="none" rtlCol="0">
+            <a:spAutoFit/>
+          </a:bodyPr>
+          <a:lstStyle/>
+          <a:p>
+            <a:r>
+              <a:rPr lang="en-US" i="1" dirty="0" smtClean="0">
+                <a:latin typeface="Symbol" pitchFamily="18" charset="2"/>
+                <a:cs typeface="Times New Roman" pitchFamily="18" charset="0"/>
+              </a:rPr>
+              <a:t>m</a:t>
+            </a:r>
+            <a:endParaRPr lang="en-US" i="1" dirty="0">
+              <a:latin typeface="Symbol" pitchFamily="18" charset="2"/>
+              <a:cs typeface="Times New Roman" pitchFamily="18" charset="0"/>
+            </a:endParaRPr>
+          </a:p>
+        </p:txBody>
+      </p:sp>
     </p:spTree>
     <p:extLst>
       <p:ext uri="{BB962C8B-B14F-4D97-AF65-F5344CB8AC3E}">

--- a/Paper/Ellipse.pptx
+++ b/Paper/Ellipse.pptx
@@ -3892,6 +3892,1070 @@
                 <a:lumOff val="60000"/>
               </a:schemeClr>
             </a:solidFill>
+          </a:ln>
+        </p:spPr>
+        <p:style>
+          <a:lnRef idx="1">
+            <a:schemeClr val="accent1"/>
+          </a:lnRef>
+          <a:fillRef idx="0">
+            <a:schemeClr val="accent1"/>
+          </a:fillRef>
+          <a:effectRef idx="0">
+            <a:schemeClr val="accent1"/>
+          </a:effectRef>
+          <a:fontRef idx="minor">
+            <a:schemeClr val="tx1"/>
+          </a:fontRef>
+        </p:style>
+      </p:cxnSp>
+      <p:sp>
+        <p:nvSpPr>
+          <p:cNvPr id="21" name="Oval 20"/>
+          <p:cNvSpPr/>
+          <p:nvPr/>
+        </p:nvSpPr>
+        <p:spPr>
+          <a:xfrm>
+            <a:off x="3233441" y="2582224"/>
+            <a:ext cx="152400" cy="152400"/>
+          </a:xfrm>
+          <a:prstGeom prst="ellipse">
+            <a:avLst/>
+          </a:prstGeom>
+          <a:solidFill>
+            <a:srgbClr val="00B0F0"/>
+          </a:solidFill>
+          <a:ln>
+            <a:solidFill>
+              <a:schemeClr val="tx1"/>
+            </a:solidFill>
+          </a:ln>
+        </p:spPr>
+        <p:style>
+          <a:lnRef idx="2">
+            <a:schemeClr val="accent1">
+              <a:shade val="50000"/>
+            </a:schemeClr>
+          </a:lnRef>
+          <a:fillRef idx="1">
+            <a:schemeClr val="accent1"/>
+          </a:fillRef>
+          <a:effectRef idx="0">
+            <a:schemeClr val="accent1"/>
+          </a:effectRef>
+          <a:fontRef idx="minor">
+            <a:schemeClr val="lt1"/>
+          </a:fontRef>
+        </p:style>
+        <p:txBody>
+          <a:bodyPr rtlCol="0" anchor="ctr"/>
+          <a:lstStyle/>
+          <a:p>
+            <a:pPr algn="ctr"/>
+            <a:endParaRPr lang="en-US"/>
+          </a:p>
+        </p:txBody>
+      </p:sp>
+      <p:sp>
+        <p:nvSpPr>
+          <p:cNvPr id="174" name="TextBox 173"/>
+          <p:cNvSpPr txBox="1"/>
+          <p:nvPr/>
+        </p:nvSpPr>
+        <p:spPr>
+          <a:xfrm>
+            <a:off x="3651421" y="3015737"/>
+            <a:ext cx="1287212" cy="338554"/>
+          </a:xfrm>
+          <a:prstGeom prst="rect">
+            <a:avLst/>
+          </a:prstGeom>
+          <a:noFill/>
+        </p:spPr>
+        <p:txBody>
+          <a:bodyPr wrap="none" rtlCol="0">
+            <a:spAutoFit/>
+          </a:bodyPr>
+          <a:lstStyle/>
+          <a:p>
+            <a:r>
+              <a:rPr lang="en-US" sz="1600" dirty="0" smtClean="0"/>
+              <a:t>Actual Stroke</a:t>
+            </a:r>
+            <a:endParaRPr lang="en-US" sz="1600" dirty="0"/>
+          </a:p>
+        </p:txBody>
+      </p:sp>
+      <p:sp>
+        <p:nvSpPr>
+          <p:cNvPr id="175" name="TextBox 174"/>
+          <p:cNvSpPr txBox="1"/>
+          <p:nvPr/>
+        </p:nvSpPr>
+        <p:spPr>
+          <a:xfrm>
+            <a:off x="4585292" y="2237491"/>
+            <a:ext cx="1586909" cy="338554"/>
+          </a:xfrm>
+          <a:prstGeom prst="rect">
+            <a:avLst/>
+          </a:prstGeom>
+          <a:noFill/>
+        </p:spPr>
+        <p:txBody>
+          <a:bodyPr wrap="none" rtlCol="0">
+            <a:spAutoFit/>
+          </a:bodyPr>
+          <a:lstStyle/>
+          <a:p>
+            <a:r>
+              <a:rPr lang="en-US" sz="1600" dirty="0" smtClean="0"/>
+              <a:t>Corrected Stroke</a:t>
+            </a:r>
+            <a:endParaRPr lang="en-US" sz="1600" dirty="0"/>
+          </a:p>
+        </p:txBody>
+      </p:sp>
+      <p:sp>
+        <p:nvSpPr>
+          <p:cNvPr id="176" name="TextBox 175"/>
+          <p:cNvSpPr txBox="1"/>
+          <p:nvPr/>
+        </p:nvSpPr>
+        <p:spPr>
+          <a:xfrm>
+            <a:off x="3462981" y="594495"/>
+            <a:ext cx="1395126" cy="338554"/>
+          </a:xfrm>
+          <a:prstGeom prst="rect">
+            <a:avLst/>
+          </a:prstGeom>
+          <a:noFill/>
+        </p:spPr>
+        <p:txBody>
+          <a:bodyPr wrap="none" rtlCol="0">
+            <a:spAutoFit/>
+          </a:bodyPr>
+          <a:lstStyle/>
+          <a:p>
+            <a:r>
+              <a:rPr lang="en-US" sz="1600" dirty="0" smtClean="0"/>
+              <a:t>Nearest Points</a:t>
+            </a:r>
+            <a:endParaRPr lang="en-US" sz="1600" dirty="0"/>
+          </a:p>
+        </p:txBody>
+      </p:sp>
+      <p:cxnSp>
+        <p:nvCxnSpPr>
+          <p:cNvPr id="178" name="Straight Arrow Connector 177"/>
+          <p:cNvCxnSpPr/>
+          <p:nvPr/>
+        </p:nvCxnSpPr>
+        <p:spPr>
+          <a:xfrm flipH="1">
+            <a:off x="3503141" y="947421"/>
+            <a:ext cx="230659" cy="590995"/>
+          </a:xfrm>
+          <a:prstGeom prst="straightConnector1">
+            <a:avLst/>
+          </a:prstGeom>
+          <a:ln>
+            <a:tailEnd type="arrow"/>
+          </a:ln>
+        </p:spPr>
+        <p:style>
+          <a:lnRef idx="1">
+            <a:schemeClr val="accent1"/>
+          </a:lnRef>
+          <a:fillRef idx="0">
+            <a:schemeClr val="accent1"/>
+          </a:fillRef>
+          <a:effectRef idx="0">
+            <a:schemeClr val="accent1"/>
+          </a:effectRef>
+          <a:fontRef idx="minor">
+            <a:schemeClr val="tx1"/>
+          </a:fontRef>
+        </p:style>
+      </p:cxnSp>
+      <p:cxnSp>
+        <p:nvCxnSpPr>
+          <p:cNvPr id="180" name="Straight Arrow Connector 179"/>
+          <p:cNvCxnSpPr/>
+          <p:nvPr/>
+        </p:nvCxnSpPr>
+        <p:spPr>
+          <a:xfrm flipH="1">
+            <a:off x="1890584" y="932935"/>
+            <a:ext cx="1647657" cy="1859692"/>
+          </a:xfrm>
+          <a:prstGeom prst="straightConnector1">
+            <a:avLst/>
+          </a:prstGeom>
+          <a:ln>
+            <a:tailEnd type="arrow"/>
+          </a:ln>
+        </p:spPr>
+        <p:style>
+          <a:lnRef idx="1">
+            <a:schemeClr val="accent1"/>
+          </a:lnRef>
+          <a:fillRef idx="0">
+            <a:schemeClr val="accent1"/>
+          </a:fillRef>
+          <a:effectRef idx="0">
+            <a:schemeClr val="accent1"/>
+          </a:effectRef>
+          <a:fontRef idx="minor">
+            <a:schemeClr val="tx1"/>
+          </a:fontRef>
+        </p:style>
+      </p:cxnSp>
+      <p:cxnSp>
+        <p:nvCxnSpPr>
+          <p:cNvPr id="182" name="Straight Arrow Connector 181"/>
+          <p:cNvCxnSpPr/>
+          <p:nvPr/>
+        </p:nvCxnSpPr>
+        <p:spPr>
+          <a:xfrm>
+            <a:off x="3886200" y="947421"/>
+            <a:ext cx="1353065" cy="961698"/>
+          </a:xfrm>
+          <a:prstGeom prst="straightConnector1">
+            <a:avLst/>
+          </a:prstGeom>
+          <a:ln>
+            <a:tailEnd type="arrow"/>
+          </a:ln>
+        </p:spPr>
+        <p:style>
+          <a:lnRef idx="1">
+            <a:schemeClr val="accent1"/>
+          </a:lnRef>
+          <a:fillRef idx="0">
+            <a:schemeClr val="accent1"/>
+          </a:fillRef>
+          <a:effectRef idx="0">
+            <a:schemeClr val="accent1"/>
+          </a:effectRef>
+          <a:fontRef idx="minor">
+            <a:schemeClr val="tx1"/>
+          </a:fontRef>
+        </p:style>
+      </p:cxnSp>
+      <p:cxnSp>
+        <p:nvCxnSpPr>
+          <p:cNvPr id="184" name="Straight Arrow Connector 183"/>
+          <p:cNvCxnSpPr/>
+          <p:nvPr/>
+        </p:nvCxnSpPr>
+        <p:spPr>
+          <a:xfrm>
+            <a:off x="4003589" y="945292"/>
+            <a:ext cx="568411" cy="364524"/>
+          </a:xfrm>
+          <a:prstGeom prst="straightConnector1">
+            <a:avLst/>
+          </a:prstGeom>
+          <a:ln>
+            <a:tailEnd type="arrow"/>
+          </a:ln>
+        </p:spPr>
+        <p:style>
+          <a:lnRef idx="1">
+            <a:schemeClr val="accent1"/>
+          </a:lnRef>
+          <a:fillRef idx="0">
+            <a:schemeClr val="accent1"/>
+          </a:fillRef>
+          <a:effectRef idx="0">
+            <a:schemeClr val="accent1"/>
+          </a:effectRef>
+          <a:fontRef idx="minor">
+            <a:schemeClr val="tx1"/>
+          </a:fontRef>
+        </p:style>
+      </p:cxnSp>
+      <p:cxnSp>
+        <p:nvCxnSpPr>
+          <p:cNvPr id="186" name="Straight Arrow Connector 185"/>
+          <p:cNvCxnSpPr>
+            <a:stCxn id="176" idx="2"/>
+          </p:cNvCxnSpPr>
+          <p:nvPr/>
+        </p:nvCxnSpPr>
+        <p:spPr>
+          <a:xfrm>
+            <a:off x="4160544" y="933049"/>
+            <a:ext cx="1047829" cy="432373"/>
+          </a:xfrm>
+          <a:prstGeom prst="straightConnector1">
+            <a:avLst/>
+          </a:prstGeom>
+          <a:ln>
+            <a:tailEnd type="arrow"/>
+          </a:ln>
+        </p:spPr>
+        <p:style>
+          <a:lnRef idx="1">
+            <a:schemeClr val="accent1"/>
+          </a:lnRef>
+          <a:fillRef idx="0">
+            <a:schemeClr val="accent1"/>
+          </a:fillRef>
+          <a:effectRef idx="0">
+            <a:schemeClr val="accent1"/>
+          </a:effectRef>
+          <a:fontRef idx="minor">
+            <a:schemeClr val="tx1"/>
+          </a:fontRef>
+        </p:style>
+      </p:cxnSp>
+      <p:cxnSp>
+        <p:nvCxnSpPr>
+          <p:cNvPr id="188" name="Straight Arrow Connector 187"/>
+          <p:cNvCxnSpPr/>
+          <p:nvPr/>
+        </p:nvCxnSpPr>
+        <p:spPr>
+          <a:xfrm>
+            <a:off x="4584357" y="970005"/>
+            <a:ext cx="1186248" cy="135925"/>
+          </a:xfrm>
+          <a:prstGeom prst="straightConnector1">
+            <a:avLst/>
+          </a:prstGeom>
+          <a:ln>
+            <a:tailEnd type="arrow"/>
+          </a:ln>
+        </p:spPr>
+        <p:style>
+          <a:lnRef idx="1">
+            <a:schemeClr val="accent1"/>
+          </a:lnRef>
+          <a:fillRef idx="0">
+            <a:schemeClr val="accent1"/>
+          </a:fillRef>
+          <a:effectRef idx="0">
+            <a:schemeClr val="accent1"/>
+          </a:effectRef>
+          <a:fontRef idx="minor">
+            <a:schemeClr val="tx1"/>
+          </a:fontRef>
+        </p:style>
+      </p:cxnSp>
+      <p:cxnSp>
+        <p:nvCxnSpPr>
+          <p:cNvPr id="190" name="Straight Arrow Connector 189"/>
+          <p:cNvCxnSpPr>
+            <a:stCxn id="176" idx="3"/>
+          </p:cNvCxnSpPr>
+          <p:nvPr/>
+        </p:nvCxnSpPr>
+        <p:spPr>
+          <a:xfrm>
+            <a:off x="4858107" y="763772"/>
+            <a:ext cx="1110207" cy="57952"/>
+          </a:xfrm>
+          <a:prstGeom prst="straightConnector1">
+            <a:avLst/>
+          </a:prstGeom>
+          <a:ln>
+            <a:tailEnd type="arrow"/>
+          </a:ln>
+        </p:spPr>
+        <p:style>
+          <a:lnRef idx="1">
+            <a:schemeClr val="accent1"/>
+          </a:lnRef>
+          <a:fillRef idx="0">
+            <a:schemeClr val="accent1"/>
+          </a:fillRef>
+          <a:effectRef idx="0">
+            <a:schemeClr val="accent1"/>
+          </a:effectRef>
+          <a:fontRef idx="minor">
+            <a:schemeClr val="tx1"/>
+          </a:fontRef>
+        </p:style>
+      </p:cxnSp>
+      <p:sp>
+        <p:nvSpPr>
+          <p:cNvPr id="173" name="Freeform 172"/>
+          <p:cNvSpPr/>
+          <p:nvPr/>
+        </p:nvSpPr>
+        <p:spPr>
+          <a:xfrm rot="475876">
+            <a:off x="4972151" y="326312"/>
+            <a:ext cx="1345042" cy="2228948"/>
+          </a:xfrm>
+          <a:custGeom>
+            <a:avLst/>
+            <a:gdLst>
+              <a:gd name="connsiteX0" fmla="*/ 0 w 2255108"/>
+              <a:gd name="connsiteY0" fmla="*/ 0 h 3113902"/>
+              <a:gd name="connsiteX1" fmla="*/ 475735 w 2255108"/>
+              <a:gd name="connsiteY1" fmla="*/ 426308 h 3113902"/>
+              <a:gd name="connsiteX2" fmla="*/ 667265 w 2255108"/>
+              <a:gd name="connsiteY2" fmla="*/ 926756 h 3113902"/>
+              <a:gd name="connsiteX3" fmla="*/ 784654 w 2255108"/>
+              <a:gd name="connsiteY3" fmla="*/ 1272746 h 3113902"/>
+              <a:gd name="connsiteX4" fmla="*/ 1000898 w 2255108"/>
+              <a:gd name="connsiteY4" fmla="*/ 1575486 h 3113902"/>
+              <a:gd name="connsiteX5" fmla="*/ 1359244 w 2255108"/>
+              <a:gd name="connsiteY5" fmla="*/ 1890584 h 3113902"/>
+              <a:gd name="connsiteX6" fmla="*/ 1717589 w 2255108"/>
+              <a:gd name="connsiteY6" fmla="*/ 2335427 h 3113902"/>
+              <a:gd name="connsiteX7" fmla="*/ 1977081 w 2255108"/>
+              <a:gd name="connsiteY7" fmla="*/ 2879124 h 3113902"/>
+              <a:gd name="connsiteX8" fmla="*/ 2119184 w 2255108"/>
+              <a:gd name="connsiteY8" fmla="*/ 3027405 h 3113902"/>
+              <a:gd name="connsiteX9" fmla="*/ 2255108 w 2255108"/>
+              <a:gd name="connsiteY9" fmla="*/ 3113902 h 3113902"/>
+              <a:gd name="connsiteX0" fmla="*/ 0 w 2255108"/>
+              <a:gd name="connsiteY0" fmla="*/ 0 h 3113902"/>
+              <a:gd name="connsiteX1" fmla="*/ 475735 w 2255108"/>
+              <a:gd name="connsiteY1" fmla="*/ 426308 h 3113902"/>
+              <a:gd name="connsiteX2" fmla="*/ 667265 w 2255108"/>
+              <a:gd name="connsiteY2" fmla="*/ 926756 h 3113902"/>
+              <a:gd name="connsiteX3" fmla="*/ 784654 w 2255108"/>
+              <a:gd name="connsiteY3" fmla="*/ 1272746 h 3113902"/>
+              <a:gd name="connsiteX4" fmla="*/ 1000898 w 2255108"/>
+              <a:gd name="connsiteY4" fmla="*/ 1575486 h 3113902"/>
+              <a:gd name="connsiteX5" fmla="*/ 1359244 w 2255108"/>
+              <a:gd name="connsiteY5" fmla="*/ 1890584 h 3113902"/>
+              <a:gd name="connsiteX6" fmla="*/ 1717589 w 2255108"/>
+              <a:gd name="connsiteY6" fmla="*/ 2335427 h 3113902"/>
+              <a:gd name="connsiteX7" fmla="*/ 1977081 w 2255108"/>
+              <a:gd name="connsiteY7" fmla="*/ 2879124 h 3113902"/>
+              <a:gd name="connsiteX8" fmla="*/ 2255108 w 2255108"/>
+              <a:gd name="connsiteY8" fmla="*/ 3113902 h 3113902"/>
+              <a:gd name="connsiteX0" fmla="*/ 0 w 1977081"/>
+              <a:gd name="connsiteY0" fmla="*/ 0 h 2879124"/>
+              <a:gd name="connsiteX1" fmla="*/ 475735 w 1977081"/>
+              <a:gd name="connsiteY1" fmla="*/ 426308 h 2879124"/>
+              <a:gd name="connsiteX2" fmla="*/ 667265 w 1977081"/>
+              <a:gd name="connsiteY2" fmla="*/ 926756 h 2879124"/>
+              <a:gd name="connsiteX3" fmla="*/ 784654 w 1977081"/>
+              <a:gd name="connsiteY3" fmla="*/ 1272746 h 2879124"/>
+              <a:gd name="connsiteX4" fmla="*/ 1000898 w 1977081"/>
+              <a:gd name="connsiteY4" fmla="*/ 1575486 h 2879124"/>
+              <a:gd name="connsiteX5" fmla="*/ 1359244 w 1977081"/>
+              <a:gd name="connsiteY5" fmla="*/ 1890584 h 2879124"/>
+              <a:gd name="connsiteX6" fmla="*/ 1717589 w 1977081"/>
+              <a:gd name="connsiteY6" fmla="*/ 2335427 h 2879124"/>
+              <a:gd name="connsiteX7" fmla="*/ 1977081 w 1977081"/>
+              <a:gd name="connsiteY7" fmla="*/ 2879124 h 2879124"/>
+              <a:gd name="connsiteX0" fmla="*/ 0 w 1501346"/>
+              <a:gd name="connsiteY0" fmla="*/ 0 h 2452816"/>
+              <a:gd name="connsiteX1" fmla="*/ 191530 w 1501346"/>
+              <a:gd name="connsiteY1" fmla="*/ 500448 h 2452816"/>
+              <a:gd name="connsiteX2" fmla="*/ 308919 w 1501346"/>
+              <a:gd name="connsiteY2" fmla="*/ 846438 h 2452816"/>
+              <a:gd name="connsiteX3" fmla="*/ 525163 w 1501346"/>
+              <a:gd name="connsiteY3" fmla="*/ 1149178 h 2452816"/>
+              <a:gd name="connsiteX4" fmla="*/ 883509 w 1501346"/>
+              <a:gd name="connsiteY4" fmla="*/ 1464276 h 2452816"/>
+              <a:gd name="connsiteX5" fmla="*/ 1241854 w 1501346"/>
+              <a:gd name="connsiteY5" fmla="*/ 1909119 h 2452816"/>
+              <a:gd name="connsiteX6" fmla="*/ 1501346 w 1501346"/>
+              <a:gd name="connsiteY6" fmla="*/ 2452816 h 2452816"/>
+            </a:gdLst>
+            <a:ahLst/>
+            <a:cxnLst>
+              <a:cxn ang="0">
+                <a:pos x="connsiteX0" y="connsiteY0"/>
+              </a:cxn>
+              <a:cxn ang="0">
+                <a:pos x="connsiteX1" y="connsiteY1"/>
+              </a:cxn>
+              <a:cxn ang="0">
+                <a:pos x="connsiteX2" y="connsiteY2"/>
+              </a:cxn>
+              <a:cxn ang="0">
+                <a:pos x="connsiteX3" y="connsiteY3"/>
+              </a:cxn>
+              <a:cxn ang="0">
+                <a:pos x="connsiteX4" y="connsiteY4"/>
+              </a:cxn>
+              <a:cxn ang="0">
+                <a:pos x="connsiteX5" y="connsiteY5"/>
+              </a:cxn>
+              <a:cxn ang="0">
+                <a:pos x="connsiteX6" y="connsiteY6"/>
+              </a:cxn>
+            </a:cxnLst>
+            <a:rect l="l" t="t" r="r" b="b"/>
+            <a:pathLst>
+              <a:path w="1501346" h="2452816">
+                <a:moveTo>
+                  <a:pt x="0" y="0"/>
+                </a:moveTo>
+                <a:cubicBezTo>
+                  <a:pt x="111211" y="154459"/>
+                  <a:pt x="140044" y="359375"/>
+                  <a:pt x="191530" y="500448"/>
+                </a:cubicBezTo>
+                <a:cubicBezTo>
+                  <a:pt x="243017" y="641521"/>
+                  <a:pt x="253314" y="738316"/>
+                  <a:pt x="308919" y="846438"/>
+                </a:cubicBezTo>
+                <a:cubicBezTo>
+                  <a:pt x="364524" y="954560"/>
+                  <a:pt x="429398" y="1046205"/>
+                  <a:pt x="525163" y="1149178"/>
+                </a:cubicBezTo>
+                <a:cubicBezTo>
+                  <a:pt x="620928" y="1252151"/>
+                  <a:pt x="764061" y="1337619"/>
+                  <a:pt x="883509" y="1464276"/>
+                </a:cubicBezTo>
+                <a:cubicBezTo>
+                  <a:pt x="1002958" y="1590933"/>
+                  <a:pt x="1138881" y="1744362"/>
+                  <a:pt x="1241854" y="1909119"/>
+                </a:cubicBezTo>
+                <a:cubicBezTo>
+                  <a:pt x="1344827" y="2073876"/>
+                  <a:pt x="1411760" y="2323070"/>
+                  <a:pt x="1501346" y="2452816"/>
+                </a:cubicBezTo>
+              </a:path>
+            </a:pathLst>
+          </a:custGeom>
+          <a:noFill/>
+          <a:ln w="38100">
+            <a:solidFill>
+              <a:schemeClr val="tx1"/>
+            </a:solidFill>
+          </a:ln>
+        </p:spPr>
+        <p:style>
+          <a:lnRef idx="2">
+            <a:schemeClr val="accent1">
+              <a:shade val="50000"/>
+            </a:schemeClr>
+          </a:lnRef>
+          <a:fillRef idx="1">
+            <a:schemeClr val="accent1"/>
+          </a:fillRef>
+          <a:effectRef idx="0">
+            <a:schemeClr val="accent1"/>
+          </a:effectRef>
+          <a:fontRef idx="minor">
+            <a:schemeClr val="lt1"/>
+          </a:fontRef>
+        </p:style>
+        <p:txBody>
+          <a:bodyPr rtlCol="0" anchor="ctr"/>
+          <a:lstStyle/>
+          <a:p>
+            <a:pPr algn="ctr"/>
+            <a:endParaRPr lang="en-US"/>
+          </a:p>
+        </p:txBody>
+      </p:sp>
+      <p:sp>
+        <p:nvSpPr>
+          <p:cNvPr id="68" name="Oval 67"/>
+          <p:cNvSpPr/>
+          <p:nvPr/>
+        </p:nvSpPr>
+        <p:spPr>
+          <a:xfrm>
+            <a:off x="5455509" y="1363024"/>
+            <a:ext cx="152400" cy="152400"/>
+          </a:xfrm>
+          <a:prstGeom prst="ellipse">
+            <a:avLst/>
+          </a:prstGeom>
+          <a:solidFill>
+            <a:srgbClr val="00B0F0"/>
+          </a:solidFill>
+          <a:ln>
+            <a:solidFill>
+              <a:schemeClr val="tx1"/>
+            </a:solidFill>
+          </a:ln>
+        </p:spPr>
+        <p:style>
+          <a:lnRef idx="2">
+            <a:schemeClr val="accent1">
+              <a:shade val="50000"/>
+            </a:schemeClr>
+          </a:lnRef>
+          <a:fillRef idx="1">
+            <a:schemeClr val="accent1"/>
+          </a:fillRef>
+          <a:effectRef idx="0">
+            <a:schemeClr val="accent1"/>
+          </a:effectRef>
+          <a:fontRef idx="minor">
+            <a:schemeClr val="lt1"/>
+          </a:fontRef>
+        </p:style>
+        <p:txBody>
+          <a:bodyPr rtlCol="0" anchor="ctr"/>
+          <a:lstStyle/>
+          <a:p>
+            <a:pPr algn="ctr"/>
+            <a:endParaRPr lang="en-US"/>
+          </a:p>
+        </p:txBody>
+      </p:sp>
+      <p:sp>
+        <p:nvSpPr>
+          <p:cNvPr id="192" name="TextBox 191"/>
+          <p:cNvSpPr txBox="1"/>
+          <p:nvPr/>
+        </p:nvSpPr>
+        <p:spPr>
+          <a:xfrm rot="19836021">
+            <a:off x="3183058" y="1964431"/>
+            <a:ext cx="1655774" cy="338554"/>
+          </a:xfrm>
+          <a:prstGeom prst="rect">
+            <a:avLst/>
+          </a:prstGeom>
+          <a:noFill/>
+        </p:spPr>
+        <p:txBody>
+          <a:bodyPr wrap="none" rtlCol="0">
+            <a:spAutoFit/>
+          </a:bodyPr>
+          <a:lstStyle/>
+          <a:p>
+            <a:r>
+              <a:rPr lang="en-US" sz="1600" dirty="0" smtClean="0"/>
+              <a:t>Correction Vector</a:t>
+            </a:r>
+            <a:endParaRPr lang="en-US" sz="1600" dirty="0"/>
+          </a:p>
+        </p:txBody>
+      </p:sp>
+      <p:sp>
+        <p:nvSpPr>
+          <p:cNvPr id="196" name="TextBox 195"/>
+          <p:cNvSpPr txBox="1"/>
+          <p:nvPr/>
+        </p:nvSpPr>
+        <p:spPr>
+          <a:xfrm>
+            <a:off x="1923292" y="3474080"/>
+            <a:ext cx="841577" cy="338554"/>
+          </a:xfrm>
+          <a:prstGeom prst="rect">
+            <a:avLst/>
+          </a:prstGeom>
+          <a:noFill/>
+        </p:spPr>
+        <p:txBody>
+          <a:bodyPr wrap="none" rtlCol="0">
+            <a:spAutoFit/>
+          </a:bodyPr>
+          <a:lstStyle/>
+          <a:p>
+            <a:r>
+              <a:rPr lang="en-US" sz="1600" dirty="0" smtClean="0"/>
+              <a:t>Outliers</a:t>
+            </a:r>
+            <a:endParaRPr lang="en-US" sz="1600" dirty="0"/>
+          </a:p>
+        </p:txBody>
+      </p:sp>
+      <p:cxnSp>
+        <p:nvCxnSpPr>
+          <p:cNvPr id="198" name="Straight Arrow Connector 197"/>
+          <p:cNvCxnSpPr/>
+          <p:nvPr/>
+        </p:nvCxnSpPr>
+        <p:spPr>
+          <a:xfrm flipH="1" flipV="1">
+            <a:off x="1878227" y="2990335"/>
+            <a:ext cx="234778" cy="525162"/>
+          </a:xfrm>
+          <a:prstGeom prst="straightConnector1">
+            <a:avLst/>
+          </a:prstGeom>
+          <a:ln>
+            <a:tailEnd type="arrow"/>
+          </a:ln>
+        </p:spPr>
+        <p:style>
+          <a:lnRef idx="1">
+            <a:schemeClr val="accent1"/>
+          </a:lnRef>
+          <a:fillRef idx="0">
+            <a:schemeClr val="accent1"/>
+          </a:fillRef>
+          <a:effectRef idx="0">
+            <a:schemeClr val="accent1"/>
+          </a:effectRef>
+          <a:fontRef idx="minor">
+            <a:schemeClr val="tx1"/>
+          </a:fontRef>
+        </p:style>
+      </p:cxnSp>
+      <p:cxnSp>
+        <p:nvCxnSpPr>
+          <p:cNvPr id="200" name="Straight Arrow Connector 199"/>
+          <p:cNvCxnSpPr/>
+          <p:nvPr/>
+        </p:nvCxnSpPr>
+        <p:spPr>
+          <a:xfrm flipV="1">
+            <a:off x="2230395" y="1791730"/>
+            <a:ext cx="1155356" cy="1729946"/>
+          </a:xfrm>
+          <a:prstGeom prst="straightConnector1">
+            <a:avLst/>
+          </a:prstGeom>
+          <a:ln>
+            <a:tailEnd type="arrow"/>
+          </a:ln>
+        </p:spPr>
+        <p:style>
+          <a:lnRef idx="1">
+            <a:schemeClr val="accent1"/>
+          </a:lnRef>
+          <a:fillRef idx="0">
+            <a:schemeClr val="accent1"/>
+          </a:fillRef>
+          <a:effectRef idx="0">
+            <a:schemeClr val="accent1"/>
+          </a:effectRef>
+          <a:fontRef idx="minor">
+            <a:schemeClr val="tx1"/>
+          </a:fontRef>
+        </p:style>
+      </p:cxnSp>
+      <p:cxnSp>
+        <p:nvCxnSpPr>
+          <p:cNvPr id="202" name="Straight Arrow Connector 201"/>
+          <p:cNvCxnSpPr/>
+          <p:nvPr/>
+        </p:nvCxnSpPr>
+        <p:spPr>
+          <a:xfrm flipV="1">
+            <a:off x="2471351" y="3021227"/>
+            <a:ext cx="333633" cy="488092"/>
+          </a:xfrm>
+          <a:prstGeom prst="straightConnector1">
+            <a:avLst/>
+          </a:prstGeom>
+          <a:ln>
+            <a:tailEnd type="arrow"/>
+          </a:ln>
+        </p:spPr>
+        <p:style>
+          <a:lnRef idx="1">
+            <a:schemeClr val="accent1"/>
+          </a:lnRef>
+          <a:fillRef idx="0">
+            <a:schemeClr val="accent1"/>
+          </a:fillRef>
+          <a:effectRef idx="0">
+            <a:schemeClr val="accent1"/>
+          </a:effectRef>
+          <a:fontRef idx="minor">
+            <a:schemeClr val="tx1"/>
+          </a:fontRef>
+        </p:style>
+      </p:cxnSp>
+      <p:cxnSp>
+        <p:nvCxnSpPr>
+          <p:cNvPr id="204" name="Straight Arrow Connector 203"/>
+          <p:cNvCxnSpPr>
+            <a:stCxn id="196" idx="3"/>
+          </p:cNvCxnSpPr>
+          <p:nvPr/>
+        </p:nvCxnSpPr>
+        <p:spPr>
+          <a:xfrm>
+            <a:off x="2764869" y="3643357"/>
+            <a:ext cx="1640315" cy="119275"/>
+          </a:xfrm>
+          <a:prstGeom prst="straightConnector1">
+            <a:avLst/>
+          </a:prstGeom>
+          <a:ln>
+            <a:tailEnd type="arrow"/>
+          </a:ln>
+        </p:spPr>
+        <p:style>
+          <a:lnRef idx="1">
+            <a:schemeClr val="accent1"/>
+          </a:lnRef>
+          <a:fillRef idx="0">
+            <a:schemeClr val="accent1"/>
+          </a:fillRef>
+          <a:effectRef idx="0">
+            <a:schemeClr val="accent1"/>
+          </a:effectRef>
+          <a:fontRef idx="minor">
+            <a:schemeClr val="tx1"/>
+          </a:fontRef>
+        </p:style>
+      </p:cxnSp>
+      <p:sp>
+        <p:nvSpPr>
+          <p:cNvPr id="2" name="TextBox 1"/>
+          <p:cNvSpPr txBox="1"/>
+          <p:nvPr/>
+        </p:nvSpPr>
+        <p:spPr>
+          <a:xfrm>
+            <a:off x="3037706" y="2582224"/>
+            <a:ext cx="306494" cy="369332"/>
+          </a:xfrm>
+          <a:prstGeom prst="rect">
+            <a:avLst/>
+          </a:prstGeom>
+          <a:noFill/>
+        </p:spPr>
+        <p:txBody>
+          <a:bodyPr wrap="none" rtlCol="0">
+            <a:spAutoFit/>
+          </a:bodyPr>
+          <a:lstStyle/>
+          <a:p>
+            <a:r>
+              <a:rPr lang="en-US" i="1" dirty="0">
+                <a:latin typeface="Times New Roman" pitchFamily="18" charset="0"/>
+                <a:cs typeface="Times New Roman" pitchFamily="18" charset="0"/>
+              </a:rPr>
+              <a:t>p</a:t>
+            </a:r>
+          </a:p>
+        </p:txBody>
+      </p:sp>
+      <p:sp>
+        <p:nvSpPr>
+          <p:cNvPr id="56" name="TextBox 55"/>
+          <p:cNvSpPr txBox="1"/>
+          <p:nvPr/>
+        </p:nvSpPr>
+        <p:spPr>
+          <a:xfrm>
+            <a:off x="3962064" y="2169327"/>
+            <a:ext cx="325730" cy="369332"/>
+          </a:xfrm>
+          <a:prstGeom prst="rect">
+            <a:avLst/>
+          </a:prstGeom>
+          <a:noFill/>
+        </p:spPr>
+        <p:txBody>
+          <a:bodyPr wrap="none" rtlCol="0">
+            <a:spAutoFit/>
+          </a:bodyPr>
+          <a:lstStyle/>
+          <a:p>
+            <a:r>
+              <a:rPr lang="en-US" i="1" dirty="0" smtClean="0">
+                <a:latin typeface="Times New Roman" pitchFamily="18" charset="0"/>
+                <a:cs typeface="Times New Roman" pitchFamily="18" charset="0"/>
+              </a:rPr>
+              <a:t>V</a:t>
+            </a:r>
+            <a:endParaRPr lang="en-US" i="1" dirty="0">
+              <a:latin typeface="Times New Roman" pitchFamily="18" charset="0"/>
+              <a:cs typeface="Times New Roman" pitchFamily="18" charset="0"/>
+            </a:endParaRPr>
+          </a:p>
+        </p:txBody>
+      </p:sp>
+      <p:sp>
+        <p:nvSpPr>
+          <p:cNvPr id="57" name="TextBox 56"/>
+          <p:cNvSpPr txBox="1"/>
+          <p:nvPr/>
+        </p:nvSpPr>
+        <p:spPr>
+          <a:xfrm>
+            <a:off x="5473484" y="1031789"/>
+            <a:ext cx="317716" cy="369332"/>
+          </a:xfrm>
+          <a:prstGeom prst="rect">
+            <a:avLst/>
+          </a:prstGeom>
+          <a:noFill/>
+        </p:spPr>
+        <p:txBody>
+          <a:bodyPr wrap="none" rtlCol="0">
+            <a:spAutoFit/>
+          </a:bodyPr>
+          <a:lstStyle/>
+          <a:p>
+            <a:r>
+              <a:rPr lang="en-US" i="1" dirty="0" smtClean="0">
+                <a:latin typeface="Symbol" pitchFamily="18" charset="2"/>
+                <a:cs typeface="Times New Roman" pitchFamily="18" charset="0"/>
+              </a:rPr>
+              <a:t>m</a:t>
+            </a:r>
+            <a:endParaRPr lang="en-US" i="1" dirty="0">
+              <a:latin typeface="Symbol" pitchFamily="18" charset="2"/>
+              <a:cs typeface="Times New Roman" pitchFamily="18" charset="0"/>
+            </a:endParaRPr>
+          </a:p>
+        </p:txBody>
+      </p:sp>
+      <p:sp>
+        <p:nvSpPr>
+          <p:cNvPr id="58" name="TextBox 57"/>
+          <p:cNvSpPr txBox="1"/>
+          <p:nvPr/>
+        </p:nvSpPr>
+        <p:spPr>
+          <a:xfrm>
+            <a:off x="6070260" y="545068"/>
+            <a:ext cx="330540" cy="369332"/>
+          </a:xfrm>
+          <a:prstGeom prst="rect">
+            <a:avLst/>
+          </a:prstGeom>
+          <a:noFill/>
+        </p:spPr>
+        <p:txBody>
+          <a:bodyPr wrap="none" rtlCol="0">
+            <a:spAutoFit/>
+          </a:bodyPr>
+          <a:lstStyle/>
+          <a:p>
+            <a:r>
+              <a:rPr lang="en-US" i="1" dirty="0" smtClean="0">
+                <a:latin typeface="Times New Roman" pitchFamily="18" charset="0"/>
+                <a:cs typeface="Times New Roman" pitchFamily="18" charset="0"/>
+              </a:rPr>
+              <a:t>v</a:t>
+            </a:r>
+            <a:r>
+              <a:rPr lang="en-US" i="1" baseline="-25000" dirty="0" smtClean="0">
+                <a:latin typeface="Times New Roman" pitchFamily="18" charset="0"/>
+                <a:cs typeface="Times New Roman" pitchFamily="18" charset="0"/>
+              </a:rPr>
+              <a:t>i</a:t>
+            </a:r>
+            <a:endParaRPr lang="en-US" i="1" baseline="-25000" dirty="0">
+              <a:latin typeface="Times New Roman" pitchFamily="18" charset="0"/>
+              <a:cs typeface="Times New Roman" pitchFamily="18" charset="0"/>
+            </a:endParaRPr>
+          </a:p>
+        </p:txBody>
+      </p:sp>
+      <p:sp>
+        <p:nvSpPr>
+          <p:cNvPr id="59" name="TextBox 58"/>
+          <p:cNvSpPr txBox="1"/>
+          <p:nvPr/>
+        </p:nvSpPr>
+        <p:spPr>
+          <a:xfrm>
+            <a:off x="6533128" y="697468"/>
+            <a:ext cx="401072" cy="369332"/>
+          </a:xfrm>
+          <a:prstGeom prst="rect">
+            <a:avLst/>
+          </a:prstGeom>
+          <a:noFill/>
+        </p:spPr>
+        <p:txBody>
+          <a:bodyPr wrap="none" rtlCol="0">
+            <a:spAutoFit/>
+          </a:bodyPr>
+          <a:lstStyle/>
+          <a:p>
+            <a:r>
+              <a:rPr lang="en-US" i="1" dirty="0" smtClean="0">
+                <a:latin typeface="Symbol" pitchFamily="18" charset="2"/>
+                <a:cs typeface="Times New Roman" pitchFamily="18" charset="0"/>
+              </a:rPr>
+              <a:t>s</a:t>
+            </a:r>
+            <a:r>
+              <a:rPr lang="en-US" i="1" baseline="-25000" dirty="0" smtClean="0">
+                <a:latin typeface="Symbol" pitchFamily="18" charset="2"/>
+                <a:cs typeface="Times New Roman" pitchFamily="18" charset="0"/>
+              </a:rPr>
+              <a:t>1</a:t>
+            </a:r>
+            <a:endParaRPr lang="en-US" i="1" baseline="-25000" dirty="0">
+              <a:latin typeface="Symbol" pitchFamily="18" charset="2"/>
+              <a:cs typeface="Times New Roman" pitchFamily="18" charset="0"/>
+            </a:endParaRPr>
+          </a:p>
+        </p:txBody>
+      </p:sp>
+      <p:sp>
+        <p:nvSpPr>
+          <p:cNvPr id="60" name="TextBox 59"/>
+          <p:cNvSpPr txBox="1"/>
+          <p:nvPr/>
+        </p:nvSpPr>
+        <p:spPr>
+          <a:xfrm>
+            <a:off x="5480222" y="1764268"/>
+            <a:ext cx="401072" cy="369332"/>
+          </a:xfrm>
+          <a:prstGeom prst="rect">
+            <a:avLst/>
+          </a:prstGeom>
+          <a:noFill/>
+        </p:spPr>
+        <p:txBody>
+          <a:bodyPr wrap="none" rtlCol="0">
+            <a:spAutoFit/>
+          </a:bodyPr>
+          <a:lstStyle/>
+          <a:p>
+            <a:r>
+              <a:rPr lang="en-US" i="1" dirty="0" smtClean="0">
+                <a:latin typeface="Symbol" pitchFamily="18" charset="2"/>
+                <a:cs typeface="Times New Roman" pitchFamily="18" charset="0"/>
+              </a:rPr>
+              <a:t>s</a:t>
+            </a:r>
+            <a:r>
+              <a:rPr lang="en-US" i="1" baseline="-25000" dirty="0" smtClean="0">
+                <a:latin typeface="Symbol" pitchFamily="18" charset="2"/>
+                <a:cs typeface="Times New Roman" pitchFamily="18" charset="0"/>
+              </a:rPr>
+              <a:t>2</a:t>
+            </a:r>
+            <a:endParaRPr lang="en-US" i="1" baseline="-25000" dirty="0">
+              <a:latin typeface="Symbol" pitchFamily="18" charset="2"/>
+              <a:cs typeface="Times New Roman" pitchFamily="18" charset="0"/>
+            </a:endParaRPr>
+          </a:p>
+        </p:txBody>
+      </p:sp>
+      <p:cxnSp>
+        <p:nvCxnSpPr>
+          <p:cNvPr id="4" name="Straight Arrow Connector 3"/>
+          <p:cNvCxnSpPr>
+            <a:endCxn id="32" idx="6"/>
+          </p:cNvCxnSpPr>
+          <p:nvPr/>
+        </p:nvCxnSpPr>
+        <p:spPr>
+          <a:xfrm flipV="1">
+            <a:off x="5596128" y="802387"/>
+            <a:ext cx="1044158" cy="593597"/>
+          </a:xfrm>
+          <a:prstGeom prst="straightConnector1">
+            <a:avLst/>
+          </a:prstGeom>
+          <a:ln>
+            <a:solidFill>
+              <a:schemeClr val="tx1"/>
+            </a:solidFill>
+            <a:tailEnd type="arrow"/>
           </a:ln>
         </p:spPr>
         <p:style>
@@ -4483,605 +5547,6 @@
           </p:txBody>
         </p:sp>
       </p:grpSp>
-      <p:sp>
-        <p:nvSpPr>
-          <p:cNvPr id="21" name="Oval 20"/>
-          <p:cNvSpPr/>
-          <p:nvPr/>
-        </p:nvSpPr>
-        <p:spPr>
-          <a:xfrm>
-            <a:off x="3233441" y="2582224"/>
-            <a:ext cx="152400" cy="152400"/>
-          </a:xfrm>
-          <a:prstGeom prst="ellipse">
-            <a:avLst/>
-          </a:prstGeom>
-          <a:solidFill>
-            <a:srgbClr val="00B0F0"/>
-          </a:solidFill>
-          <a:ln>
-            <a:solidFill>
-              <a:schemeClr val="tx1"/>
-            </a:solidFill>
-          </a:ln>
-        </p:spPr>
-        <p:style>
-          <a:lnRef idx="2">
-            <a:schemeClr val="accent1">
-              <a:shade val="50000"/>
-            </a:schemeClr>
-          </a:lnRef>
-          <a:fillRef idx="1">
-            <a:schemeClr val="accent1"/>
-          </a:fillRef>
-          <a:effectRef idx="0">
-            <a:schemeClr val="accent1"/>
-          </a:effectRef>
-          <a:fontRef idx="minor">
-            <a:schemeClr val="lt1"/>
-          </a:fontRef>
-        </p:style>
-        <p:txBody>
-          <a:bodyPr rtlCol="0" anchor="ctr"/>
-          <a:lstStyle/>
-          <a:p>
-            <a:pPr algn="ctr"/>
-            <a:endParaRPr lang="en-US"/>
-          </a:p>
-        </p:txBody>
-      </p:sp>
-      <p:sp>
-        <p:nvSpPr>
-          <p:cNvPr id="174" name="TextBox 173"/>
-          <p:cNvSpPr txBox="1"/>
-          <p:nvPr/>
-        </p:nvSpPr>
-        <p:spPr>
-          <a:xfrm>
-            <a:off x="3651421" y="3015737"/>
-            <a:ext cx="1287212" cy="338554"/>
-          </a:xfrm>
-          <a:prstGeom prst="rect">
-            <a:avLst/>
-          </a:prstGeom>
-          <a:noFill/>
-        </p:spPr>
-        <p:txBody>
-          <a:bodyPr wrap="none" rtlCol="0">
-            <a:spAutoFit/>
-          </a:bodyPr>
-          <a:lstStyle/>
-          <a:p>
-            <a:r>
-              <a:rPr lang="en-US" sz="1600" dirty="0" smtClean="0"/>
-              <a:t>Actual Stroke</a:t>
-            </a:r>
-            <a:endParaRPr lang="en-US" sz="1600" dirty="0"/>
-          </a:p>
-        </p:txBody>
-      </p:sp>
-      <p:sp>
-        <p:nvSpPr>
-          <p:cNvPr id="175" name="TextBox 174"/>
-          <p:cNvSpPr txBox="1"/>
-          <p:nvPr/>
-        </p:nvSpPr>
-        <p:spPr>
-          <a:xfrm>
-            <a:off x="4585292" y="2237491"/>
-            <a:ext cx="1586909" cy="338554"/>
-          </a:xfrm>
-          <a:prstGeom prst="rect">
-            <a:avLst/>
-          </a:prstGeom>
-          <a:noFill/>
-        </p:spPr>
-        <p:txBody>
-          <a:bodyPr wrap="none" rtlCol="0">
-            <a:spAutoFit/>
-          </a:bodyPr>
-          <a:lstStyle/>
-          <a:p>
-            <a:r>
-              <a:rPr lang="en-US" sz="1600" dirty="0" smtClean="0"/>
-              <a:t>Corrected Stroke</a:t>
-            </a:r>
-            <a:endParaRPr lang="en-US" sz="1600" dirty="0"/>
-          </a:p>
-        </p:txBody>
-      </p:sp>
-      <p:sp>
-        <p:nvSpPr>
-          <p:cNvPr id="176" name="TextBox 175"/>
-          <p:cNvSpPr txBox="1"/>
-          <p:nvPr/>
-        </p:nvSpPr>
-        <p:spPr>
-          <a:xfrm>
-            <a:off x="3462981" y="594495"/>
-            <a:ext cx="1395126" cy="338554"/>
-          </a:xfrm>
-          <a:prstGeom prst="rect">
-            <a:avLst/>
-          </a:prstGeom>
-          <a:noFill/>
-        </p:spPr>
-        <p:txBody>
-          <a:bodyPr wrap="none" rtlCol="0">
-            <a:spAutoFit/>
-          </a:bodyPr>
-          <a:lstStyle/>
-          <a:p>
-            <a:r>
-              <a:rPr lang="en-US" sz="1600" dirty="0" smtClean="0"/>
-              <a:t>Nearest Points</a:t>
-            </a:r>
-            <a:endParaRPr lang="en-US" sz="1600" dirty="0"/>
-          </a:p>
-        </p:txBody>
-      </p:sp>
-      <p:cxnSp>
-        <p:nvCxnSpPr>
-          <p:cNvPr id="178" name="Straight Arrow Connector 177"/>
-          <p:cNvCxnSpPr/>
-          <p:nvPr/>
-        </p:nvCxnSpPr>
-        <p:spPr>
-          <a:xfrm flipH="1">
-            <a:off x="3503141" y="947421"/>
-            <a:ext cx="230659" cy="590995"/>
-          </a:xfrm>
-          <a:prstGeom prst="straightConnector1">
-            <a:avLst/>
-          </a:prstGeom>
-          <a:ln>
-            <a:tailEnd type="arrow"/>
-          </a:ln>
-        </p:spPr>
-        <p:style>
-          <a:lnRef idx="1">
-            <a:schemeClr val="accent1"/>
-          </a:lnRef>
-          <a:fillRef idx="0">
-            <a:schemeClr val="accent1"/>
-          </a:fillRef>
-          <a:effectRef idx="0">
-            <a:schemeClr val="accent1"/>
-          </a:effectRef>
-          <a:fontRef idx="minor">
-            <a:schemeClr val="tx1"/>
-          </a:fontRef>
-        </p:style>
-      </p:cxnSp>
-      <p:cxnSp>
-        <p:nvCxnSpPr>
-          <p:cNvPr id="180" name="Straight Arrow Connector 179"/>
-          <p:cNvCxnSpPr/>
-          <p:nvPr/>
-        </p:nvCxnSpPr>
-        <p:spPr>
-          <a:xfrm flipH="1">
-            <a:off x="1890584" y="932935"/>
-            <a:ext cx="1647657" cy="1859692"/>
-          </a:xfrm>
-          <a:prstGeom prst="straightConnector1">
-            <a:avLst/>
-          </a:prstGeom>
-          <a:ln>
-            <a:tailEnd type="arrow"/>
-          </a:ln>
-        </p:spPr>
-        <p:style>
-          <a:lnRef idx="1">
-            <a:schemeClr val="accent1"/>
-          </a:lnRef>
-          <a:fillRef idx="0">
-            <a:schemeClr val="accent1"/>
-          </a:fillRef>
-          <a:effectRef idx="0">
-            <a:schemeClr val="accent1"/>
-          </a:effectRef>
-          <a:fontRef idx="minor">
-            <a:schemeClr val="tx1"/>
-          </a:fontRef>
-        </p:style>
-      </p:cxnSp>
-      <p:cxnSp>
-        <p:nvCxnSpPr>
-          <p:cNvPr id="182" name="Straight Arrow Connector 181"/>
-          <p:cNvCxnSpPr/>
-          <p:nvPr/>
-        </p:nvCxnSpPr>
-        <p:spPr>
-          <a:xfrm>
-            <a:off x="3886200" y="947421"/>
-            <a:ext cx="1353065" cy="961698"/>
-          </a:xfrm>
-          <a:prstGeom prst="straightConnector1">
-            <a:avLst/>
-          </a:prstGeom>
-          <a:ln>
-            <a:tailEnd type="arrow"/>
-          </a:ln>
-        </p:spPr>
-        <p:style>
-          <a:lnRef idx="1">
-            <a:schemeClr val="accent1"/>
-          </a:lnRef>
-          <a:fillRef idx="0">
-            <a:schemeClr val="accent1"/>
-          </a:fillRef>
-          <a:effectRef idx="0">
-            <a:schemeClr val="accent1"/>
-          </a:effectRef>
-          <a:fontRef idx="minor">
-            <a:schemeClr val="tx1"/>
-          </a:fontRef>
-        </p:style>
-      </p:cxnSp>
-      <p:cxnSp>
-        <p:nvCxnSpPr>
-          <p:cNvPr id="184" name="Straight Arrow Connector 183"/>
-          <p:cNvCxnSpPr/>
-          <p:nvPr/>
-        </p:nvCxnSpPr>
-        <p:spPr>
-          <a:xfrm>
-            <a:off x="4003589" y="945292"/>
-            <a:ext cx="568411" cy="364524"/>
-          </a:xfrm>
-          <a:prstGeom prst="straightConnector1">
-            <a:avLst/>
-          </a:prstGeom>
-          <a:ln>
-            <a:tailEnd type="arrow"/>
-          </a:ln>
-        </p:spPr>
-        <p:style>
-          <a:lnRef idx="1">
-            <a:schemeClr val="accent1"/>
-          </a:lnRef>
-          <a:fillRef idx="0">
-            <a:schemeClr val="accent1"/>
-          </a:fillRef>
-          <a:effectRef idx="0">
-            <a:schemeClr val="accent1"/>
-          </a:effectRef>
-          <a:fontRef idx="minor">
-            <a:schemeClr val="tx1"/>
-          </a:fontRef>
-        </p:style>
-      </p:cxnSp>
-      <p:cxnSp>
-        <p:nvCxnSpPr>
-          <p:cNvPr id="186" name="Straight Arrow Connector 185"/>
-          <p:cNvCxnSpPr>
-            <a:stCxn id="176" idx="2"/>
-          </p:cNvCxnSpPr>
-          <p:nvPr/>
-        </p:nvCxnSpPr>
-        <p:spPr>
-          <a:xfrm>
-            <a:off x="4160544" y="933049"/>
-            <a:ext cx="1047829" cy="432373"/>
-          </a:xfrm>
-          <a:prstGeom prst="straightConnector1">
-            <a:avLst/>
-          </a:prstGeom>
-          <a:ln>
-            <a:tailEnd type="arrow"/>
-          </a:ln>
-        </p:spPr>
-        <p:style>
-          <a:lnRef idx="1">
-            <a:schemeClr val="accent1"/>
-          </a:lnRef>
-          <a:fillRef idx="0">
-            <a:schemeClr val="accent1"/>
-          </a:fillRef>
-          <a:effectRef idx="0">
-            <a:schemeClr val="accent1"/>
-          </a:effectRef>
-          <a:fontRef idx="minor">
-            <a:schemeClr val="tx1"/>
-          </a:fontRef>
-        </p:style>
-      </p:cxnSp>
-      <p:cxnSp>
-        <p:nvCxnSpPr>
-          <p:cNvPr id="188" name="Straight Arrow Connector 187"/>
-          <p:cNvCxnSpPr/>
-          <p:nvPr/>
-        </p:nvCxnSpPr>
-        <p:spPr>
-          <a:xfrm>
-            <a:off x="4584357" y="970005"/>
-            <a:ext cx="1186248" cy="135925"/>
-          </a:xfrm>
-          <a:prstGeom prst="straightConnector1">
-            <a:avLst/>
-          </a:prstGeom>
-          <a:ln>
-            <a:tailEnd type="arrow"/>
-          </a:ln>
-        </p:spPr>
-        <p:style>
-          <a:lnRef idx="1">
-            <a:schemeClr val="accent1"/>
-          </a:lnRef>
-          <a:fillRef idx="0">
-            <a:schemeClr val="accent1"/>
-          </a:fillRef>
-          <a:effectRef idx="0">
-            <a:schemeClr val="accent1"/>
-          </a:effectRef>
-          <a:fontRef idx="minor">
-            <a:schemeClr val="tx1"/>
-          </a:fontRef>
-        </p:style>
-      </p:cxnSp>
-      <p:cxnSp>
-        <p:nvCxnSpPr>
-          <p:cNvPr id="190" name="Straight Arrow Connector 189"/>
-          <p:cNvCxnSpPr>
-            <a:stCxn id="176" idx="3"/>
-          </p:cNvCxnSpPr>
-          <p:nvPr/>
-        </p:nvCxnSpPr>
-        <p:spPr>
-          <a:xfrm>
-            <a:off x="4858107" y="763772"/>
-            <a:ext cx="1110207" cy="57952"/>
-          </a:xfrm>
-          <a:prstGeom prst="straightConnector1">
-            <a:avLst/>
-          </a:prstGeom>
-          <a:ln>
-            <a:tailEnd type="arrow"/>
-          </a:ln>
-        </p:spPr>
-        <p:style>
-          <a:lnRef idx="1">
-            <a:schemeClr val="accent1"/>
-          </a:lnRef>
-          <a:fillRef idx="0">
-            <a:schemeClr val="accent1"/>
-          </a:fillRef>
-          <a:effectRef idx="0">
-            <a:schemeClr val="accent1"/>
-          </a:effectRef>
-          <a:fontRef idx="minor">
-            <a:schemeClr val="tx1"/>
-          </a:fontRef>
-        </p:style>
-      </p:cxnSp>
-      <p:sp>
-        <p:nvSpPr>
-          <p:cNvPr id="173" name="Freeform 172"/>
-          <p:cNvSpPr/>
-          <p:nvPr/>
-        </p:nvSpPr>
-        <p:spPr>
-          <a:xfrm rot="475876">
-            <a:off x="4972151" y="326312"/>
-            <a:ext cx="1345042" cy="2228948"/>
-          </a:xfrm>
-          <a:custGeom>
-            <a:avLst/>
-            <a:gdLst>
-              <a:gd name="connsiteX0" fmla="*/ 0 w 2255108"/>
-              <a:gd name="connsiteY0" fmla="*/ 0 h 3113902"/>
-              <a:gd name="connsiteX1" fmla="*/ 475735 w 2255108"/>
-              <a:gd name="connsiteY1" fmla="*/ 426308 h 3113902"/>
-              <a:gd name="connsiteX2" fmla="*/ 667265 w 2255108"/>
-              <a:gd name="connsiteY2" fmla="*/ 926756 h 3113902"/>
-              <a:gd name="connsiteX3" fmla="*/ 784654 w 2255108"/>
-              <a:gd name="connsiteY3" fmla="*/ 1272746 h 3113902"/>
-              <a:gd name="connsiteX4" fmla="*/ 1000898 w 2255108"/>
-              <a:gd name="connsiteY4" fmla="*/ 1575486 h 3113902"/>
-              <a:gd name="connsiteX5" fmla="*/ 1359244 w 2255108"/>
-              <a:gd name="connsiteY5" fmla="*/ 1890584 h 3113902"/>
-              <a:gd name="connsiteX6" fmla="*/ 1717589 w 2255108"/>
-              <a:gd name="connsiteY6" fmla="*/ 2335427 h 3113902"/>
-              <a:gd name="connsiteX7" fmla="*/ 1977081 w 2255108"/>
-              <a:gd name="connsiteY7" fmla="*/ 2879124 h 3113902"/>
-              <a:gd name="connsiteX8" fmla="*/ 2119184 w 2255108"/>
-              <a:gd name="connsiteY8" fmla="*/ 3027405 h 3113902"/>
-              <a:gd name="connsiteX9" fmla="*/ 2255108 w 2255108"/>
-              <a:gd name="connsiteY9" fmla="*/ 3113902 h 3113902"/>
-              <a:gd name="connsiteX0" fmla="*/ 0 w 2255108"/>
-              <a:gd name="connsiteY0" fmla="*/ 0 h 3113902"/>
-              <a:gd name="connsiteX1" fmla="*/ 475735 w 2255108"/>
-              <a:gd name="connsiteY1" fmla="*/ 426308 h 3113902"/>
-              <a:gd name="connsiteX2" fmla="*/ 667265 w 2255108"/>
-              <a:gd name="connsiteY2" fmla="*/ 926756 h 3113902"/>
-              <a:gd name="connsiteX3" fmla="*/ 784654 w 2255108"/>
-              <a:gd name="connsiteY3" fmla="*/ 1272746 h 3113902"/>
-              <a:gd name="connsiteX4" fmla="*/ 1000898 w 2255108"/>
-              <a:gd name="connsiteY4" fmla="*/ 1575486 h 3113902"/>
-              <a:gd name="connsiteX5" fmla="*/ 1359244 w 2255108"/>
-              <a:gd name="connsiteY5" fmla="*/ 1890584 h 3113902"/>
-              <a:gd name="connsiteX6" fmla="*/ 1717589 w 2255108"/>
-              <a:gd name="connsiteY6" fmla="*/ 2335427 h 3113902"/>
-              <a:gd name="connsiteX7" fmla="*/ 1977081 w 2255108"/>
-              <a:gd name="connsiteY7" fmla="*/ 2879124 h 3113902"/>
-              <a:gd name="connsiteX8" fmla="*/ 2255108 w 2255108"/>
-              <a:gd name="connsiteY8" fmla="*/ 3113902 h 3113902"/>
-              <a:gd name="connsiteX0" fmla="*/ 0 w 1977081"/>
-              <a:gd name="connsiteY0" fmla="*/ 0 h 2879124"/>
-              <a:gd name="connsiteX1" fmla="*/ 475735 w 1977081"/>
-              <a:gd name="connsiteY1" fmla="*/ 426308 h 2879124"/>
-              <a:gd name="connsiteX2" fmla="*/ 667265 w 1977081"/>
-              <a:gd name="connsiteY2" fmla="*/ 926756 h 2879124"/>
-              <a:gd name="connsiteX3" fmla="*/ 784654 w 1977081"/>
-              <a:gd name="connsiteY3" fmla="*/ 1272746 h 2879124"/>
-              <a:gd name="connsiteX4" fmla="*/ 1000898 w 1977081"/>
-              <a:gd name="connsiteY4" fmla="*/ 1575486 h 2879124"/>
-              <a:gd name="connsiteX5" fmla="*/ 1359244 w 1977081"/>
-              <a:gd name="connsiteY5" fmla="*/ 1890584 h 2879124"/>
-              <a:gd name="connsiteX6" fmla="*/ 1717589 w 1977081"/>
-              <a:gd name="connsiteY6" fmla="*/ 2335427 h 2879124"/>
-              <a:gd name="connsiteX7" fmla="*/ 1977081 w 1977081"/>
-              <a:gd name="connsiteY7" fmla="*/ 2879124 h 2879124"/>
-              <a:gd name="connsiteX0" fmla="*/ 0 w 1501346"/>
-              <a:gd name="connsiteY0" fmla="*/ 0 h 2452816"/>
-              <a:gd name="connsiteX1" fmla="*/ 191530 w 1501346"/>
-              <a:gd name="connsiteY1" fmla="*/ 500448 h 2452816"/>
-              <a:gd name="connsiteX2" fmla="*/ 308919 w 1501346"/>
-              <a:gd name="connsiteY2" fmla="*/ 846438 h 2452816"/>
-              <a:gd name="connsiteX3" fmla="*/ 525163 w 1501346"/>
-              <a:gd name="connsiteY3" fmla="*/ 1149178 h 2452816"/>
-              <a:gd name="connsiteX4" fmla="*/ 883509 w 1501346"/>
-              <a:gd name="connsiteY4" fmla="*/ 1464276 h 2452816"/>
-              <a:gd name="connsiteX5" fmla="*/ 1241854 w 1501346"/>
-              <a:gd name="connsiteY5" fmla="*/ 1909119 h 2452816"/>
-              <a:gd name="connsiteX6" fmla="*/ 1501346 w 1501346"/>
-              <a:gd name="connsiteY6" fmla="*/ 2452816 h 2452816"/>
-            </a:gdLst>
-            <a:ahLst/>
-            <a:cxnLst>
-              <a:cxn ang="0">
-                <a:pos x="connsiteX0" y="connsiteY0"/>
-              </a:cxn>
-              <a:cxn ang="0">
-                <a:pos x="connsiteX1" y="connsiteY1"/>
-              </a:cxn>
-              <a:cxn ang="0">
-                <a:pos x="connsiteX2" y="connsiteY2"/>
-              </a:cxn>
-              <a:cxn ang="0">
-                <a:pos x="connsiteX3" y="connsiteY3"/>
-              </a:cxn>
-              <a:cxn ang="0">
-                <a:pos x="connsiteX4" y="connsiteY4"/>
-              </a:cxn>
-              <a:cxn ang="0">
-                <a:pos x="connsiteX5" y="connsiteY5"/>
-              </a:cxn>
-              <a:cxn ang="0">
-                <a:pos x="connsiteX6" y="connsiteY6"/>
-              </a:cxn>
-            </a:cxnLst>
-            <a:rect l="l" t="t" r="r" b="b"/>
-            <a:pathLst>
-              <a:path w="1501346" h="2452816">
-                <a:moveTo>
-                  <a:pt x="0" y="0"/>
-                </a:moveTo>
-                <a:cubicBezTo>
-                  <a:pt x="111211" y="154459"/>
-                  <a:pt x="140044" y="359375"/>
-                  <a:pt x="191530" y="500448"/>
-                </a:cubicBezTo>
-                <a:cubicBezTo>
-                  <a:pt x="243017" y="641521"/>
-                  <a:pt x="253314" y="738316"/>
-                  <a:pt x="308919" y="846438"/>
-                </a:cubicBezTo>
-                <a:cubicBezTo>
-                  <a:pt x="364524" y="954560"/>
-                  <a:pt x="429398" y="1046205"/>
-                  <a:pt x="525163" y="1149178"/>
-                </a:cubicBezTo>
-                <a:cubicBezTo>
-                  <a:pt x="620928" y="1252151"/>
-                  <a:pt x="764061" y="1337619"/>
-                  <a:pt x="883509" y="1464276"/>
-                </a:cubicBezTo>
-                <a:cubicBezTo>
-                  <a:pt x="1002958" y="1590933"/>
-                  <a:pt x="1138881" y="1744362"/>
-                  <a:pt x="1241854" y="1909119"/>
-                </a:cubicBezTo>
-                <a:cubicBezTo>
-                  <a:pt x="1344827" y="2073876"/>
-                  <a:pt x="1411760" y="2323070"/>
-                  <a:pt x="1501346" y="2452816"/>
-                </a:cubicBezTo>
-              </a:path>
-            </a:pathLst>
-          </a:custGeom>
-          <a:noFill/>
-          <a:ln w="38100">
-            <a:solidFill>
-              <a:schemeClr val="tx1"/>
-            </a:solidFill>
-          </a:ln>
-        </p:spPr>
-        <p:style>
-          <a:lnRef idx="2">
-            <a:schemeClr val="accent1">
-              <a:shade val="50000"/>
-            </a:schemeClr>
-          </a:lnRef>
-          <a:fillRef idx="1">
-            <a:schemeClr val="accent1"/>
-          </a:fillRef>
-          <a:effectRef idx="0">
-            <a:schemeClr val="accent1"/>
-          </a:effectRef>
-          <a:fontRef idx="minor">
-            <a:schemeClr val="lt1"/>
-          </a:fontRef>
-        </p:style>
-        <p:txBody>
-          <a:bodyPr rtlCol="0" anchor="ctr"/>
-          <a:lstStyle/>
-          <a:p>
-            <a:pPr algn="ctr"/>
-            <a:endParaRPr lang="en-US"/>
-          </a:p>
-        </p:txBody>
-      </p:sp>
-      <p:sp>
-        <p:nvSpPr>
-          <p:cNvPr id="68" name="Oval 67"/>
-          <p:cNvSpPr/>
-          <p:nvPr/>
-        </p:nvSpPr>
-        <p:spPr>
-          <a:xfrm>
-            <a:off x="5455509" y="1363024"/>
-            <a:ext cx="152400" cy="152400"/>
-          </a:xfrm>
-          <a:prstGeom prst="ellipse">
-            <a:avLst/>
-          </a:prstGeom>
-          <a:solidFill>
-            <a:srgbClr val="00B0F0"/>
-          </a:solidFill>
-          <a:ln>
-            <a:solidFill>
-              <a:schemeClr val="tx1"/>
-            </a:solidFill>
-          </a:ln>
-        </p:spPr>
-        <p:style>
-          <a:lnRef idx="2">
-            <a:schemeClr val="accent1">
-              <a:shade val="50000"/>
-            </a:schemeClr>
-          </a:lnRef>
-          <a:fillRef idx="1">
-            <a:schemeClr val="accent1"/>
-          </a:fillRef>
-          <a:effectRef idx="0">
-            <a:schemeClr val="accent1"/>
-          </a:effectRef>
-          <a:fontRef idx="minor">
-            <a:schemeClr val="lt1"/>
-          </a:fontRef>
-        </p:style>
-        <p:txBody>
-          <a:bodyPr rtlCol="0" anchor="ctr"/>
-          <a:lstStyle/>
-          <a:p>
-            <a:pPr algn="ctr"/>
-            <a:endParaRPr lang="en-US"/>
-          </a:p>
-        </p:txBody>
-      </p:sp>
       <p:cxnSp>
         <p:nvCxnSpPr>
           <p:cNvPr id="164" name="Straight Arrow Connector 163"/>
@@ -5120,81 +5585,24 @@
           </a:fontRef>
         </p:style>
       </p:cxnSp>
-      <p:sp>
-        <p:nvSpPr>
-          <p:cNvPr id="192" name="TextBox 191"/>
-          <p:cNvSpPr txBox="1"/>
-          <p:nvPr/>
-        </p:nvSpPr>
-        <p:spPr>
-          <a:xfrm rot="19836021">
-            <a:off x="3183058" y="1964431"/>
-            <a:ext cx="1655774" cy="338554"/>
-          </a:xfrm>
-          <a:prstGeom prst="rect">
-            <a:avLst/>
-          </a:prstGeom>
-          <a:noFill/>
-        </p:spPr>
-        <p:txBody>
-          <a:bodyPr wrap="none" rtlCol="0">
-            <a:spAutoFit/>
-          </a:bodyPr>
-          <a:lstStyle/>
-          <a:p>
-            <a:r>
-              <a:rPr lang="en-US" sz="1600" dirty="0" smtClean="0"/>
-              <a:t>Correction Vector</a:t>
-            </a:r>
-            <a:endParaRPr lang="en-US" sz="1600" dirty="0"/>
-          </a:p>
-        </p:txBody>
-      </p:sp>
-      <p:sp>
-        <p:nvSpPr>
-          <p:cNvPr id="196" name="TextBox 195"/>
-          <p:cNvSpPr txBox="1"/>
-          <p:nvPr/>
-        </p:nvSpPr>
-        <p:spPr>
-          <a:xfrm>
-            <a:off x="1923292" y="3474080"/>
-            <a:ext cx="841577" cy="338554"/>
-          </a:xfrm>
-          <a:prstGeom prst="rect">
-            <a:avLst/>
-          </a:prstGeom>
-          <a:noFill/>
-        </p:spPr>
-        <p:txBody>
-          <a:bodyPr wrap="none" rtlCol="0">
-            <a:spAutoFit/>
-          </a:bodyPr>
-          <a:lstStyle/>
-          <a:p>
-            <a:r>
-              <a:rPr lang="en-US" sz="1600" dirty="0" smtClean="0"/>
-              <a:t>Outliers</a:t>
-            </a:r>
-            <a:endParaRPr lang="en-US" sz="1600" dirty="0"/>
-          </a:p>
-        </p:txBody>
-      </p:sp>
       <p:cxnSp>
         <p:nvCxnSpPr>
-          <p:cNvPr id="198" name="Straight Arrow Connector 197"/>
+          <p:cNvPr id="64" name="Straight Arrow Connector 63"/>
           <p:cNvCxnSpPr/>
           <p:nvPr/>
         </p:nvCxnSpPr>
         <p:spPr>
-          <a:xfrm flipH="1" flipV="1">
-            <a:off x="1878227" y="2990335"/>
-            <a:ext cx="234778" cy="525162"/>
+          <a:xfrm>
+            <a:off x="5565648" y="1505712"/>
+            <a:ext cx="231648" cy="438912"/>
           </a:xfrm>
           <a:prstGeom prst="straightConnector1">
             <a:avLst/>
           </a:prstGeom>
           <a:ln>
+            <a:solidFill>
+              <a:schemeClr val="tx1"/>
+            </a:solidFill>
             <a:tailEnd type="arrow"/>
           </a:ln>
         </p:spPr>
@@ -5213,211 +5621,6 @@
           </a:fontRef>
         </p:style>
       </p:cxnSp>
-      <p:cxnSp>
-        <p:nvCxnSpPr>
-          <p:cNvPr id="200" name="Straight Arrow Connector 199"/>
-          <p:cNvCxnSpPr/>
-          <p:nvPr/>
-        </p:nvCxnSpPr>
-        <p:spPr>
-          <a:xfrm flipV="1">
-            <a:off x="2230395" y="1791730"/>
-            <a:ext cx="1155356" cy="1729946"/>
-          </a:xfrm>
-          <a:prstGeom prst="straightConnector1">
-            <a:avLst/>
-          </a:prstGeom>
-          <a:ln>
-            <a:tailEnd type="arrow"/>
-          </a:ln>
-        </p:spPr>
-        <p:style>
-          <a:lnRef idx="1">
-            <a:schemeClr val="accent1"/>
-          </a:lnRef>
-          <a:fillRef idx="0">
-            <a:schemeClr val="accent1"/>
-          </a:fillRef>
-          <a:effectRef idx="0">
-            <a:schemeClr val="accent1"/>
-          </a:effectRef>
-          <a:fontRef idx="minor">
-            <a:schemeClr val="tx1"/>
-          </a:fontRef>
-        </p:style>
-      </p:cxnSp>
-      <p:cxnSp>
-        <p:nvCxnSpPr>
-          <p:cNvPr id="202" name="Straight Arrow Connector 201"/>
-          <p:cNvCxnSpPr/>
-          <p:nvPr/>
-        </p:nvCxnSpPr>
-        <p:spPr>
-          <a:xfrm flipV="1">
-            <a:off x="2471351" y="3021227"/>
-            <a:ext cx="333633" cy="488092"/>
-          </a:xfrm>
-          <a:prstGeom prst="straightConnector1">
-            <a:avLst/>
-          </a:prstGeom>
-          <a:ln>
-            <a:tailEnd type="arrow"/>
-          </a:ln>
-        </p:spPr>
-        <p:style>
-          <a:lnRef idx="1">
-            <a:schemeClr val="accent1"/>
-          </a:lnRef>
-          <a:fillRef idx="0">
-            <a:schemeClr val="accent1"/>
-          </a:fillRef>
-          <a:effectRef idx="0">
-            <a:schemeClr val="accent1"/>
-          </a:effectRef>
-          <a:fontRef idx="minor">
-            <a:schemeClr val="tx1"/>
-          </a:fontRef>
-        </p:style>
-      </p:cxnSp>
-      <p:cxnSp>
-        <p:nvCxnSpPr>
-          <p:cNvPr id="204" name="Straight Arrow Connector 203"/>
-          <p:cNvCxnSpPr>
-            <a:stCxn id="196" idx="3"/>
-          </p:cNvCxnSpPr>
-          <p:nvPr/>
-        </p:nvCxnSpPr>
-        <p:spPr>
-          <a:xfrm>
-            <a:off x="2764869" y="3643357"/>
-            <a:ext cx="1640315" cy="119275"/>
-          </a:xfrm>
-          <a:prstGeom prst="straightConnector1">
-            <a:avLst/>
-          </a:prstGeom>
-          <a:ln>
-            <a:tailEnd type="arrow"/>
-          </a:ln>
-        </p:spPr>
-        <p:style>
-          <a:lnRef idx="1">
-            <a:schemeClr val="accent1"/>
-          </a:lnRef>
-          <a:fillRef idx="0">
-            <a:schemeClr val="accent1"/>
-          </a:fillRef>
-          <a:effectRef idx="0">
-            <a:schemeClr val="accent1"/>
-          </a:effectRef>
-          <a:fontRef idx="minor">
-            <a:schemeClr val="tx1"/>
-          </a:fontRef>
-        </p:style>
-      </p:cxnSp>
-      <p:sp>
-        <p:nvSpPr>
-          <p:cNvPr id="2" name="TextBox 1"/>
-          <p:cNvSpPr txBox="1"/>
-          <p:nvPr/>
-        </p:nvSpPr>
-        <p:spPr>
-          <a:xfrm>
-            <a:off x="3037706" y="2582224"/>
-            <a:ext cx="306494" cy="369332"/>
-          </a:xfrm>
-          <a:prstGeom prst="rect">
-            <a:avLst/>
-          </a:prstGeom>
-          <a:noFill/>
-        </p:spPr>
-        <p:txBody>
-          <a:bodyPr wrap="none" rtlCol="0">
-            <a:spAutoFit/>
-          </a:bodyPr>
-          <a:lstStyle/>
-          <a:p>
-            <a:r>
-              <a:rPr lang="en-US" i="1" dirty="0">
-                <a:latin typeface="Times New Roman" pitchFamily="18" charset="0"/>
-                <a:cs typeface="Times New Roman" pitchFamily="18" charset="0"/>
-              </a:rPr>
-              <a:t>p</a:t>
-            </a:r>
-          </a:p>
-        </p:txBody>
-      </p:sp>
-      <p:sp>
-        <p:nvSpPr>
-          <p:cNvPr id="56" name="TextBox 55"/>
-          <p:cNvSpPr txBox="1"/>
-          <p:nvPr/>
-        </p:nvSpPr>
-        <p:spPr>
-          <a:xfrm>
-            <a:off x="3962064" y="2169327"/>
-            <a:ext cx="325730" cy="369332"/>
-          </a:xfrm>
-          <a:prstGeom prst="rect">
-            <a:avLst/>
-          </a:prstGeom>
-          <a:noFill/>
-        </p:spPr>
-        <p:txBody>
-          <a:bodyPr wrap="none" rtlCol="0">
-            <a:spAutoFit/>
-          </a:bodyPr>
-          <a:lstStyle/>
-          <a:p>
-            <a:r>
-              <a:rPr lang="en-US" i="1" dirty="0" smtClean="0">
-                <a:latin typeface="Times New Roman" pitchFamily="18" charset="0"/>
-                <a:cs typeface="Times New Roman" pitchFamily="18" charset="0"/>
-              </a:rPr>
-              <a:t>V</a:t>
-            </a:r>
-            <a:endParaRPr lang="en-US" i="1" dirty="0">
-              <a:latin typeface="Times New Roman" pitchFamily="18" charset="0"/>
-              <a:cs typeface="Times New Roman" pitchFamily="18" charset="0"/>
-            </a:endParaRPr>
-          </a:p>
-        </p:txBody>
-      </p:sp>
-      <p:sp>
-        <p:nvSpPr>
-          <p:cNvPr id="57" name="TextBox 56"/>
-          <p:cNvSpPr txBox="1"/>
-          <p:nvPr/>
-        </p:nvSpPr>
-        <p:spPr>
-          <a:xfrm>
-            <a:off x="6754655" y="3669268"/>
-            <a:ext cx="317716" cy="369332"/>
-          </a:xfrm>
-          <a:prstGeom prst="rect">
-            <a:avLst/>
-          </a:prstGeom>
-          <a:noFill/>
-        </p:spPr>
-        <p:txBody>
-          <a:bodyPr wrap="none" rtlCol="0">
-            <a:spAutoFit/>
-          </a:bodyPr>
-          <a:lstStyle/>
-          <a:p>
-            <a:r>
-              <a:rPr lang="en-US" i="1" dirty="0" smtClean="0">
-                <a:latin typeface="Symbol" pitchFamily="18" charset="2"/>
-                <a:cs typeface="Times New Roman" pitchFamily="18" charset="0"/>
-              </a:rPr>
-              <a:t>m</a:t>
-            </a:r>
-            <a:endParaRPr lang="en-US" i="1" dirty="0">
-              <a:latin typeface="Symbol" pitchFamily="18" charset="2"/>
-              <a:cs typeface="Times New Roman" pitchFamily="18" charset="0"/>
-            </a:endParaRPr>
-          </a:p>
-        </p:txBody>
-      </p:sp>
     </p:spTree>
     <p:extLst>
       <p:ext uri="{BB962C8B-B14F-4D97-AF65-F5344CB8AC3E}">
